--- a/Proj1-Furdo-10A_D.pptx
+++ b/Proj1-Furdo-10A_D.pptx
@@ -12,6 +12,7 @@
     <p:sldId id="260" r:id="rId6"/>
     <p:sldId id="261" r:id="rId7"/>
     <p:sldId id="262" r:id="rId8"/>
+    <p:sldId id="263" r:id="rId9"/>
   </p:sldIdLst>
   <p:sldSz cx="12192000" cy="6858000"/>
   <p:notesSz cx="6858000" cy="9144000"/>
@@ -110,6 +111,11 @@
       </a:defRPr>
     </a:lvl9pPr>
   </p:defaultTextStyle>
+  <p:extLst>
+    <p:ext uri="{EFAFB233-063F-42B5-8137-9DF3F51BA10A}">
+      <p15:sldGuideLst xmlns:p15="http://schemas.microsoft.com/office/powerpoint/2012/main"/>
+    </p:ext>
+  </p:extLst>
 </p:presentation>
 </file>
 
@@ -252,7 +258,7 @@
           <a:p>
             <a:fld id="{1C51DBE5-290D-4BC6-B08A-3FFC18235947}" type="datetimeFigureOut">
               <a:rPr lang="hu-HU" smtClean="0"/>
-              <a:t>2023.02.28</a:t>
+              <a:t>2023.03.01</a:t>
             </a:fld>
             <a:endParaRPr lang="hu-HU"/>
           </a:p>
@@ -463,7 +469,7 @@
           <a:p>
             <a:fld id="{1C51DBE5-290D-4BC6-B08A-3FFC18235947}" type="datetimeFigureOut">
               <a:rPr lang="hu-HU" smtClean="0"/>
-              <a:t>2023.02.28</a:t>
+              <a:t>2023.03.01</a:t>
             </a:fld>
             <a:endParaRPr lang="hu-HU"/>
           </a:p>
@@ -678,7 +684,7 @@
           <a:p>
             <a:fld id="{1C51DBE5-290D-4BC6-B08A-3FFC18235947}" type="datetimeFigureOut">
               <a:rPr lang="hu-HU" smtClean="0"/>
-              <a:t>2023.02.28</a:t>
+              <a:t>2023.03.01</a:t>
             </a:fld>
             <a:endParaRPr lang="hu-HU"/>
           </a:p>
@@ -879,7 +885,7 @@
           <a:p>
             <a:fld id="{1C51DBE5-290D-4BC6-B08A-3FFC18235947}" type="datetimeFigureOut">
               <a:rPr lang="hu-HU" smtClean="0"/>
-              <a:t>2023.02.28</a:t>
+              <a:t>2023.03.01</a:t>
             </a:fld>
             <a:endParaRPr lang="hu-HU"/>
           </a:p>
@@ -1158,7 +1164,7 @@
           <a:p>
             <a:fld id="{1C51DBE5-290D-4BC6-B08A-3FFC18235947}" type="datetimeFigureOut">
               <a:rPr lang="hu-HU" smtClean="0"/>
-              <a:t>2023.02.28</a:t>
+              <a:t>2023.03.01</a:t>
             </a:fld>
             <a:endParaRPr lang="hu-HU"/>
           </a:p>
@@ -1426,7 +1432,7 @@
           <a:p>
             <a:fld id="{1C51DBE5-290D-4BC6-B08A-3FFC18235947}" type="datetimeFigureOut">
               <a:rPr lang="hu-HU" smtClean="0"/>
-              <a:t>2023.02.28</a:t>
+              <a:t>2023.03.01</a:t>
             </a:fld>
             <a:endParaRPr lang="hu-HU"/>
           </a:p>
@@ -1842,7 +1848,7 @@
           <a:p>
             <a:fld id="{1C51DBE5-290D-4BC6-B08A-3FFC18235947}" type="datetimeFigureOut">
               <a:rPr lang="hu-HU" smtClean="0"/>
-              <a:t>2023.02.28</a:t>
+              <a:t>2023.03.01</a:t>
             </a:fld>
             <a:endParaRPr lang="hu-HU"/>
           </a:p>
@@ -1991,7 +1997,7 @@
           <a:p>
             <a:fld id="{1C51DBE5-290D-4BC6-B08A-3FFC18235947}" type="datetimeFigureOut">
               <a:rPr lang="hu-HU" smtClean="0"/>
-              <a:t>2023.02.28</a:t>
+              <a:t>2023.03.01</a:t>
             </a:fld>
             <a:endParaRPr lang="hu-HU"/>
           </a:p>
@@ -2117,7 +2123,7 @@
           <a:p>
             <a:fld id="{1C51DBE5-290D-4BC6-B08A-3FFC18235947}" type="datetimeFigureOut">
               <a:rPr lang="hu-HU" smtClean="0"/>
-              <a:t>2023.02.28</a:t>
+              <a:t>2023.03.01</a:t>
             </a:fld>
             <a:endParaRPr lang="hu-HU"/>
           </a:p>
@@ -2368,7 +2374,7 @@
           <a:p>
             <a:fld id="{1C51DBE5-290D-4BC6-B08A-3FFC18235947}" type="datetimeFigureOut">
               <a:rPr lang="hu-HU" smtClean="0"/>
-              <a:t>2023.02.28</a:t>
+              <a:t>2023.03.01</a:t>
             </a:fld>
             <a:endParaRPr lang="hu-HU"/>
           </a:p>
@@ -2813,7 +2819,7 @@
           <a:p>
             <a:fld id="{1C51DBE5-290D-4BC6-B08A-3FFC18235947}" type="datetimeFigureOut">
               <a:rPr lang="hu-HU" smtClean="0"/>
-              <a:t>2023.02.28</a:t>
+              <a:t>2023.03.01</a:t>
             </a:fld>
             <a:endParaRPr lang="hu-HU"/>
           </a:p>
@@ -3139,7 +3145,7 @@
           <a:p>
             <a:fld id="{1C51DBE5-290D-4BC6-B08A-3FFC18235947}" type="datetimeFigureOut">
               <a:rPr lang="hu-HU" smtClean="0"/>
-              <a:t>2023.02.28</a:t>
+              <a:t>2023.03.01</a:t>
             </a:fld>
             <a:endParaRPr lang="hu-HU"/>
           </a:p>
@@ -3652,13 +3658,6 @@
               <a:rPr lang="hu-HU" sz="4800" dirty="0"/>
               <a:t>Emelt Szintű Érettségi Feladatsor</a:t>
             </a:r>
-            <a:br>
-              <a:rPr lang="hu-HU" sz="4800" dirty="0"/>
-            </a:br>
-            <a:r>
-              <a:rPr lang="hu-HU" sz="4800" dirty="0"/>
-              <a:t>2017.05.15</a:t>
-            </a:r>
           </a:p>
         </p:txBody>
       </p:sp>
@@ -3769,10 +3768,82 @@
           <a:bodyPr/>
           <a:lstStyle/>
           <a:p>
-            <a:endParaRPr lang="hu-HU"/>
-          </a:p>
-        </p:txBody>
-      </p:sp>
+            <a:r>
+              <a:rPr lang="hu-HU" dirty="0"/>
+              <a:t>2017.05.15.</a:t>
+            </a:r>
+          </a:p>
+          <a:p>
+            <a:r>
+              <a:rPr lang="hu-HU" dirty="0"/>
+              <a:t>Fürdő</a:t>
+            </a:r>
+          </a:p>
+          <a:p>
+            <a:endParaRPr lang="hu-HU" dirty="0"/>
+          </a:p>
+        </p:txBody>
+      </p:sp>
+      <p:pic>
+        <p:nvPicPr>
+          <p:cNvPr id="4" name="Kép 3">
+            <a:extLst>
+              <a:ext uri="{FF2B5EF4-FFF2-40B4-BE49-F238E27FC236}">
+                <a16:creationId xmlns:a16="http://schemas.microsoft.com/office/drawing/2014/main" id="{C4C2BE38-79FA-46FF-AA68-71552FEDCEDD}"/>
+              </a:ext>
+            </a:extLst>
+          </p:cNvPr>
+          <p:cNvPicPr>
+            <a:picLocks noChangeAspect="1"/>
+          </p:cNvPicPr>
+          <p:nvPr/>
+        </p:nvPicPr>
+        <p:blipFill>
+          <a:blip r:embed="rId2"/>
+          <a:stretch>
+            <a:fillRect/>
+          </a:stretch>
+        </p:blipFill>
+        <p:spPr>
+          <a:xfrm>
+            <a:off x="8418322" y="2015732"/>
+            <a:ext cx="2636532" cy="3604874"/>
+          </a:xfrm>
+          <a:prstGeom prst="rect">
+            <a:avLst/>
+          </a:prstGeom>
+        </p:spPr>
+      </p:pic>
+      <p:pic>
+        <p:nvPicPr>
+          <p:cNvPr id="5" name="Kép 4">
+            <a:extLst>
+              <a:ext uri="{FF2B5EF4-FFF2-40B4-BE49-F238E27FC236}">
+                <a16:creationId xmlns:a16="http://schemas.microsoft.com/office/drawing/2014/main" id="{9EE63F74-55E5-4C83-925E-829B0A523AA6}"/>
+              </a:ext>
+            </a:extLst>
+          </p:cNvPr>
+          <p:cNvPicPr>
+            <a:picLocks noChangeAspect="1"/>
+          </p:cNvPicPr>
+          <p:nvPr/>
+        </p:nvPicPr>
+        <p:blipFill>
+          <a:blip r:embed="rId3"/>
+          <a:stretch>
+            <a:fillRect/>
+          </a:stretch>
+        </p:blipFill>
+        <p:spPr>
+          <a:xfrm>
+            <a:off x="5853808" y="2015732"/>
+            <a:ext cx="2564513" cy="3604874"/>
+          </a:xfrm>
+          <a:prstGeom prst="rect">
+            <a:avLst/>
+          </a:prstGeom>
+        </p:spPr>
+      </p:pic>
     </p:spTree>
     <p:extLst>
       <p:ext uri="{BB962C8B-B14F-4D97-AF65-F5344CB8AC3E}">
@@ -3852,10 +3923,145 @@
           <a:bodyPr/>
           <a:lstStyle/>
           <a:p>
-            <a:endParaRPr lang="hu-HU"/>
-          </a:p>
-        </p:txBody>
-      </p:sp>
+            <a:r>
+              <a:rPr lang="hu-HU" dirty="0"/>
+              <a:t>6 adat volt megadva:</a:t>
+            </a:r>
+          </a:p>
+          <a:p>
+            <a:pPr lvl="1"/>
+            <a:r>
+              <a:rPr lang="hu-HU" dirty="0"/>
+              <a:t>Vendég azonosítója</a:t>
+            </a:r>
+          </a:p>
+          <a:p>
+            <a:pPr lvl="1"/>
+            <a:r>
+              <a:rPr lang="hu-HU" dirty="0"/>
+              <a:t>Részleg azonosítója</a:t>
+            </a:r>
+          </a:p>
+          <a:p>
+            <a:pPr lvl="1"/>
+            <a:r>
+              <a:rPr lang="hu-HU" dirty="0"/>
+              <a:t>A ki- és belépés mutató</a:t>
+            </a:r>
+          </a:p>
+          <a:p>
+            <a:pPr lvl="1"/>
+            <a:r>
+              <a:rPr lang="hu-HU" dirty="0"/>
+              <a:t>Áthaladás órája</a:t>
+            </a:r>
+          </a:p>
+          <a:p>
+            <a:pPr lvl="1"/>
+            <a:r>
+              <a:rPr lang="hu-HU" dirty="0"/>
+              <a:t>Áthaladás perce</a:t>
+            </a:r>
+          </a:p>
+          <a:p>
+            <a:pPr lvl="1"/>
+            <a:r>
+              <a:rPr lang="hu-HU" dirty="0"/>
+              <a:t>Áthaladás másodperce</a:t>
+            </a:r>
+          </a:p>
+        </p:txBody>
+      </p:sp>
+      <p:pic>
+        <p:nvPicPr>
+          <p:cNvPr id="5" name="Kép 4">
+            <a:extLst>
+              <a:ext uri="{FF2B5EF4-FFF2-40B4-BE49-F238E27FC236}">
+                <a16:creationId xmlns:a16="http://schemas.microsoft.com/office/drawing/2014/main" id="{0F7B5A43-ACB8-421B-82D4-2DDAE1FFDFFB}"/>
+              </a:ext>
+            </a:extLst>
+          </p:cNvPr>
+          <p:cNvPicPr>
+            <a:picLocks noChangeAspect="1"/>
+          </p:cNvPicPr>
+          <p:nvPr/>
+        </p:nvPicPr>
+        <p:blipFill>
+          <a:blip r:embed="rId2"/>
+          <a:stretch>
+            <a:fillRect/>
+          </a:stretch>
+        </p:blipFill>
+        <p:spPr>
+          <a:xfrm>
+            <a:off x="4714918" y="2015732"/>
+            <a:ext cx="2409825" cy="1123950"/>
+          </a:xfrm>
+          <a:prstGeom prst="rect">
+            <a:avLst/>
+          </a:prstGeom>
+        </p:spPr>
+      </p:pic>
+      <p:pic>
+        <p:nvPicPr>
+          <p:cNvPr id="6" name="Kép 5">
+            <a:extLst>
+              <a:ext uri="{FF2B5EF4-FFF2-40B4-BE49-F238E27FC236}">
+                <a16:creationId xmlns:a16="http://schemas.microsoft.com/office/drawing/2014/main" id="{F50B8904-5BCD-4240-BB5F-48E9876D2799}"/>
+              </a:ext>
+            </a:extLst>
+          </p:cNvPr>
+          <p:cNvPicPr>
+            <a:picLocks noChangeAspect="1"/>
+          </p:cNvPicPr>
+          <p:nvPr/>
+        </p:nvPicPr>
+        <p:blipFill>
+          <a:blip r:embed="rId3"/>
+          <a:stretch>
+            <a:fillRect/>
+          </a:stretch>
+        </p:blipFill>
+        <p:spPr>
+          <a:xfrm>
+            <a:off x="4702754" y="3928247"/>
+            <a:ext cx="2419194" cy="828311"/>
+          </a:xfrm>
+          <a:prstGeom prst="rect">
+            <a:avLst/>
+          </a:prstGeom>
+        </p:spPr>
+      </p:pic>
+      <p:pic>
+        <p:nvPicPr>
+          <p:cNvPr id="7" name="Kép 6">
+            <a:extLst>
+              <a:ext uri="{FF2B5EF4-FFF2-40B4-BE49-F238E27FC236}">
+                <a16:creationId xmlns:a16="http://schemas.microsoft.com/office/drawing/2014/main" id="{110AB6FF-E567-4496-9447-DED5CCD76606}"/>
+              </a:ext>
+            </a:extLst>
+          </p:cNvPr>
+          <p:cNvPicPr>
+            <a:picLocks noChangeAspect="1"/>
+          </p:cNvPicPr>
+          <p:nvPr/>
+        </p:nvPicPr>
+        <p:blipFill>
+          <a:blip r:embed="rId4"/>
+          <a:stretch>
+            <a:fillRect/>
+          </a:stretch>
+        </p:blipFill>
+        <p:spPr>
+          <a:xfrm>
+            <a:off x="7278365" y="1967474"/>
+            <a:ext cx="3617276" cy="4086007"/>
+          </a:xfrm>
+          <a:prstGeom prst="rect">
+            <a:avLst/>
+          </a:prstGeom>
+        </p:spPr>
+      </p:pic>
     </p:spTree>
     <p:extLst>
       <p:ext uri="{BB962C8B-B14F-4D97-AF65-F5344CB8AC3E}">
@@ -3940,10 +4146,49 @@
           <a:bodyPr/>
           <a:lstStyle/>
           <a:p>
-            <a:endParaRPr lang="hu-HU"/>
-          </a:p>
-        </p:txBody>
-      </p:sp>
+            <a:r>
+              <a:rPr lang="hu-HU" dirty="0"/>
+              <a:t>Nagy rész Olivér munkája</a:t>
+            </a:r>
+          </a:p>
+          <a:p>
+            <a:r>
+              <a:rPr lang="hu-HU" dirty="0"/>
+              <a:t>Apróbb igazításokat Kristóf eszközölte</a:t>
+            </a:r>
+          </a:p>
+        </p:txBody>
+      </p:sp>
+      <p:pic>
+        <p:nvPicPr>
+          <p:cNvPr id="4" name="Kép 3">
+            <a:extLst>
+              <a:ext uri="{FF2B5EF4-FFF2-40B4-BE49-F238E27FC236}">
+                <a16:creationId xmlns:a16="http://schemas.microsoft.com/office/drawing/2014/main" id="{117F66A6-80CF-42BC-B19E-BF5F5DE8AD63}"/>
+              </a:ext>
+            </a:extLst>
+          </p:cNvPr>
+          <p:cNvPicPr>
+            <a:picLocks noChangeAspect="1"/>
+          </p:cNvPicPr>
+          <p:nvPr/>
+        </p:nvPicPr>
+        <p:blipFill>
+          <a:blip r:embed="rId2"/>
+          <a:stretch>
+            <a:fillRect/>
+          </a:stretch>
+        </p:blipFill>
+        <p:spPr>
+          <a:xfrm>
+            <a:off x="1451579" y="2997053"/>
+            <a:ext cx="6381532" cy="2846490"/>
+          </a:xfrm>
+          <a:prstGeom prst="rect">
+            <a:avLst/>
+          </a:prstGeom>
+        </p:spPr>
+      </p:pic>
     </p:spTree>
     <p:extLst>
       <p:ext uri="{BB962C8B-B14F-4D97-AF65-F5344CB8AC3E}">
@@ -4023,7 +4268,22 @@
           <a:bodyPr/>
           <a:lstStyle/>
           <a:p>
-            <a:endParaRPr lang="hu-HU"/>
+            <a:r>
+              <a:rPr lang="hu-HU" dirty="0"/>
+              <a:t>Elmaradt, Kristóf hiányzása miatt</a:t>
+            </a:r>
+          </a:p>
+          <a:p>
+            <a:r>
+              <a:rPr lang="hu-HU" dirty="0"/>
+              <a:t>Olivér megírta a jelentősebb részeket</a:t>
+            </a:r>
+          </a:p>
+          <a:p>
+            <a:r>
+              <a:rPr lang="hu-HU" dirty="0"/>
+              <a:t>Néhány kódrészt leszámítva Kristóf a kisebb-nagyobb átírásokkal foglalkozott </a:t>
+            </a:r>
           </a:p>
         </p:txBody>
       </p:sp>
@@ -4106,10 +4366,133 @@
           <a:bodyPr/>
           <a:lstStyle/>
           <a:p>
-            <a:endParaRPr lang="hu-HU"/>
-          </a:p>
-        </p:txBody>
-      </p:sp>
+            <a:r>
+              <a:rPr lang="hu-HU" dirty="0"/>
+              <a:t>Legnagyobbrészt Olivér munkája</a:t>
+            </a:r>
+          </a:p>
+        </p:txBody>
+      </p:sp>
+      <p:pic>
+        <p:nvPicPr>
+          <p:cNvPr id="5" name="Kép 4">
+            <a:extLst>
+              <a:ext uri="{FF2B5EF4-FFF2-40B4-BE49-F238E27FC236}">
+                <a16:creationId xmlns:a16="http://schemas.microsoft.com/office/drawing/2014/main" id="{EC825A3A-AAB0-447D-B05D-354585A5A57B}"/>
+              </a:ext>
+            </a:extLst>
+          </p:cNvPr>
+          <p:cNvPicPr>
+            <a:picLocks noChangeAspect="1"/>
+          </p:cNvPicPr>
+          <p:nvPr/>
+        </p:nvPicPr>
+        <p:blipFill>
+          <a:blip r:embed="rId2"/>
+          <a:stretch>
+            <a:fillRect/>
+          </a:stretch>
+        </p:blipFill>
+        <p:spPr>
+          <a:xfrm>
+            <a:off x="8936180" y="1853754"/>
+            <a:ext cx="3045912" cy="4287934"/>
+          </a:xfrm>
+          <a:prstGeom prst="rect">
+            <a:avLst/>
+          </a:prstGeom>
+        </p:spPr>
+      </p:pic>
+      <p:pic>
+        <p:nvPicPr>
+          <p:cNvPr id="6" name="Kép 5">
+            <a:extLst>
+              <a:ext uri="{FF2B5EF4-FFF2-40B4-BE49-F238E27FC236}">
+                <a16:creationId xmlns:a16="http://schemas.microsoft.com/office/drawing/2014/main" id="{B4813D1D-7A16-494D-BA9C-FEDB965ACCBA}"/>
+              </a:ext>
+            </a:extLst>
+          </p:cNvPr>
+          <p:cNvPicPr>
+            <a:picLocks noChangeAspect="1"/>
+          </p:cNvPicPr>
+          <p:nvPr/>
+        </p:nvPicPr>
+        <p:blipFill>
+          <a:blip r:embed="rId3"/>
+          <a:stretch>
+            <a:fillRect/>
+          </a:stretch>
+        </p:blipFill>
+        <p:spPr>
+          <a:xfrm>
+            <a:off x="6368763" y="1853450"/>
+            <a:ext cx="2565833" cy="2698197"/>
+          </a:xfrm>
+          <a:prstGeom prst="rect">
+            <a:avLst/>
+          </a:prstGeom>
+        </p:spPr>
+      </p:pic>
+      <p:pic>
+        <p:nvPicPr>
+          <p:cNvPr id="7" name="Kép 6">
+            <a:extLst>
+              <a:ext uri="{FF2B5EF4-FFF2-40B4-BE49-F238E27FC236}">
+                <a16:creationId xmlns:a16="http://schemas.microsoft.com/office/drawing/2014/main" id="{9C25C5A5-B136-48C5-A1A5-5F1F493EC48B}"/>
+              </a:ext>
+            </a:extLst>
+          </p:cNvPr>
+          <p:cNvPicPr>
+            <a:picLocks noChangeAspect="1"/>
+          </p:cNvPicPr>
+          <p:nvPr/>
+        </p:nvPicPr>
+        <p:blipFill>
+          <a:blip r:embed="rId4"/>
+          <a:stretch>
+            <a:fillRect/>
+          </a:stretch>
+        </p:blipFill>
+        <p:spPr>
+          <a:xfrm>
+            <a:off x="3167562" y="2395940"/>
+            <a:ext cx="2843300" cy="3232383"/>
+          </a:xfrm>
+          <a:prstGeom prst="rect">
+            <a:avLst/>
+          </a:prstGeom>
+        </p:spPr>
+      </p:pic>
+      <p:pic>
+        <p:nvPicPr>
+          <p:cNvPr id="8" name="Kép 7">
+            <a:extLst>
+              <a:ext uri="{FF2B5EF4-FFF2-40B4-BE49-F238E27FC236}">
+                <a16:creationId xmlns:a16="http://schemas.microsoft.com/office/drawing/2014/main" id="{F69A6905-E6B8-4F7D-A6F9-D9EB1FD57BB8}"/>
+              </a:ext>
+            </a:extLst>
+          </p:cNvPr>
+          <p:cNvPicPr>
+            <a:picLocks noChangeAspect="1"/>
+          </p:cNvPicPr>
+          <p:nvPr/>
+        </p:nvPicPr>
+        <p:blipFill>
+          <a:blip r:embed="rId5"/>
+          <a:stretch>
+            <a:fillRect/>
+          </a:stretch>
+        </p:blipFill>
+        <p:spPr>
+          <a:xfrm>
+            <a:off x="6181139" y="4551647"/>
+            <a:ext cx="2751873" cy="1590041"/>
+          </a:xfrm>
+          <a:prstGeom prst="rect">
+            <a:avLst/>
+          </a:prstGeom>
+        </p:spPr>
+      </p:pic>
     </p:spTree>
     <p:extLst>
       <p:ext uri="{BB962C8B-B14F-4D97-AF65-F5344CB8AC3E}">
@@ -4189,14 +4572,161 @@
           <a:bodyPr/>
           <a:lstStyle/>
           <a:p>
-            <a:endParaRPr lang="hu-HU"/>
-          </a:p>
-        </p:txBody>
-      </p:sp>
+            <a:r>
+              <a:rPr lang="hu-HU" dirty="0"/>
+              <a:t>Olivér készítette</a:t>
+            </a:r>
+          </a:p>
+        </p:txBody>
+      </p:sp>
+      <p:pic>
+        <p:nvPicPr>
+          <p:cNvPr id="4" name="Kép 3">
+            <a:extLst>
+              <a:ext uri="{FF2B5EF4-FFF2-40B4-BE49-F238E27FC236}">
+                <a16:creationId xmlns:a16="http://schemas.microsoft.com/office/drawing/2014/main" id="{18CDDBC1-CA98-42B0-8AAB-7884ED258990}"/>
+              </a:ext>
+            </a:extLst>
+          </p:cNvPr>
+          <p:cNvPicPr>
+            <a:picLocks noChangeAspect="1"/>
+          </p:cNvPicPr>
+          <p:nvPr/>
+        </p:nvPicPr>
+        <p:blipFill>
+          <a:blip r:embed="rId2"/>
+          <a:stretch>
+            <a:fillRect/>
+          </a:stretch>
+        </p:blipFill>
+        <p:spPr>
+          <a:xfrm>
+            <a:off x="4282849" y="2015733"/>
+            <a:ext cx="2017284" cy="4140740"/>
+          </a:xfrm>
+          <a:prstGeom prst="rect">
+            <a:avLst/>
+          </a:prstGeom>
+        </p:spPr>
+      </p:pic>
+      <p:pic>
+        <p:nvPicPr>
+          <p:cNvPr id="5" name="Kép 4">
+            <a:extLst>
+              <a:ext uri="{FF2B5EF4-FFF2-40B4-BE49-F238E27FC236}">
+                <a16:creationId xmlns:a16="http://schemas.microsoft.com/office/drawing/2014/main" id="{9366FA13-17B7-4BE5-8123-B66EB6F7FED7}"/>
+              </a:ext>
+            </a:extLst>
+          </p:cNvPr>
+          <p:cNvPicPr>
+            <a:picLocks noChangeAspect="1"/>
+          </p:cNvPicPr>
+          <p:nvPr/>
+        </p:nvPicPr>
+        <p:blipFill>
+          <a:blip r:embed="rId3"/>
+          <a:stretch>
+            <a:fillRect/>
+          </a:stretch>
+        </p:blipFill>
+        <p:spPr>
+          <a:xfrm>
+            <a:off x="6300133" y="2015731"/>
+            <a:ext cx="5265752" cy="4037750"/>
+          </a:xfrm>
+          <a:prstGeom prst="rect">
+            <a:avLst/>
+          </a:prstGeom>
+        </p:spPr>
+      </p:pic>
     </p:spTree>
     <p:extLst>
       <p:ext uri="{BB962C8B-B14F-4D97-AF65-F5344CB8AC3E}">
         <p14:creationId xmlns:p14="http://schemas.microsoft.com/office/powerpoint/2010/main" val="915610303"/>
+      </p:ext>
+    </p:extLst>
+  </p:cSld>
+  <p:clrMapOvr>
+    <a:masterClrMapping/>
+  </p:clrMapOvr>
+</p:sld>
+</file>
+
+<file path=ppt/slides/slide8.xml><?xml version="1.0" encoding="utf-8"?>
+<p:sld xmlns:a="http://schemas.openxmlformats.org/drawingml/2006/main" xmlns:r="http://schemas.openxmlformats.org/officeDocument/2006/relationships" xmlns:p="http://schemas.openxmlformats.org/presentationml/2006/main">
+  <p:cSld>
+    <p:spTree>
+      <p:nvGrpSpPr>
+        <p:cNvPr id="1" name=""/>
+        <p:cNvGrpSpPr/>
+        <p:nvPr/>
+      </p:nvGrpSpPr>
+      <p:grpSpPr>
+        <a:xfrm>
+          <a:off x="0" y="0"/>
+          <a:ext cx="0" cy="0"/>
+          <a:chOff x="0" y="0"/>
+          <a:chExt cx="0" cy="0"/>
+        </a:xfrm>
+      </p:grpSpPr>
+      <p:sp>
+        <p:nvSpPr>
+          <p:cNvPr id="2" name="Cím 1">
+            <a:extLst>
+              <a:ext uri="{FF2B5EF4-FFF2-40B4-BE49-F238E27FC236}">
+                <a16:creationId xmlns:a16="http://schemas.microsoft.com/office/drawing/2014/main" id="{24D77C2D-8656-4D35-8E10-DB6E47293A9C}"/>
+              </a:ext>
+            </a:extLst>
+          </p:cNvPr>
+          <p:cNvSpPr>
+            <a:spLocks noGrp="1"/>
+          </p:cNvSpPr>
+          <p:nvPr>
+            <p:ph type="title"/>
+          </p:nvPr>
+        </p:nvSpPr>
+        <p:spPr/>
+        <p:txBody>
+          <a:bodyPr/>
+          <a:lstStyle/>
+          <a:p>
+            <a:pPr algn="ctr"/>
+            <a:r>
+              <a:rPr lang="hu-HU" dirty="0"/>
+              <a:t>Köszönjük a figyelmet</a:t>
+            </a:r>
+          </a:p>
+        </p:txBody>
+      </p:sp>
+      <p:sp>
+        <p:nvSpPr>
+          <p:cNvPr id="3" name="Tartalom helye 2">
+            <a:extLst>
+              <a:ext uri="{FF2B5EF4-FFF2-40B4-BE49-F238E27FC236}">
+                <a16:creationId xmlns:a16="http://schemas.microsoft.com/office/drawing/2014/main" id="{788D18C3-A584-4518-AF25-ABDC5B19FEA7}"/>
+              </a:ext>
+            </a:extLst>
+          </p:cNvPr>
+          <p:cNvSpPr>
+            <a:spLocks noGrp="1"/>
+          </p:cNvSpPr>
+          <p:nvPr>
+            <p:ph idx="1"/>
+          </p:nvPr>
+        </p:nvSpPr>
+        <p:spPr/>
+        <p:txBody>
+          <a:bodyPr/>
+          <a:lstStyle/>
+          <a:p>
+            <a:endParaRPr lang="hu-HU"/>
+          </a:p>
+        </p:txBody>
+      </p:sp>
+    </p:spTree>
+    <p:extLst>
+      <p:ext uri="{BB962C8B-B14F-4D97-AF65-F5344CB8AC3E}">
+        <p14:creationId xmlns:p14="http://schemas.microsoft.com/office/powerpoint/2010/main" val="929065792"/>
       </p:ext>
     </p:extLst>
   </p:cSld>

--- a/Proj1-Furdo-10A_D.pptx
+++ b/Proj1-Furdo-10A_D.pptx
@@ -258,7 +258,7 @@
           <a:p>
             <a:fld id="{1C51DBE5-290D-4BC6-B08A-3FFC18235947}" type="datetimeFigureOut">
               <a:rPr lang="hu-HU" smtClean="0"/>
-              <a:t>2023.03.01</a:t>
+              <a:t>2023.03.07</a:t>
             </a:fld>
             <a:endParaRPr lang="hu-HU"/>
           </a:p>
@@ -469,7 +469,7 @@
           <a:p>
             <a:fld id="{1C51DBE5-290D-4BC6-B08A-3FFC18235947}" type="datetimeFigureOut">
               <a:rPr lang="hu-HU" smtClean="0"/>
-              <a:t>2023.03.01</a:t>
+              <a:t>2023.03.07</a:t>
             </a:fld>
             <a:endParaRPr lang="hu-HU"/>
           </a:p>
@@ -684,7 +684,7 @@
           <a:p>
             <a:fld id="{1C51DBE5-290D-4BC6-B08A-3FFC18235947}" type="datetimeFigureOut">
               <a:rPr lang="hu-HU" smtClean="0"/>
-              <a:t>2023.03.01</a:t>
+              <a:t>2023.03.07</a:t>
             </a:fld>
             <a:endParaRPr lang="hu-HU"/>
           </a:p>
@@ -885,7 +885,7 @@
           <a:p>
             <a:fld id="{1C51DBE5-290D-4BC6-B08A-3FFC18235947}" type="datetimeFigureOut">
               <a:rPr lang="hu-HU" smtClean="0"/>
-              <a:t>2023.03.01</a:t>
+              <a:t>2023.03.07</a:t>
             </a:fld>
             <a:endParaRPr lang="hu-HU"/>
           </a:p>
@@ -1164,7 +1164,7 @@
           <a:p>
             <a:fld id="{1C51DBE5-290D-4BC6-B08A-3FFC18235947}" type="datetimeFigureOut">
               <a:rPr lang="hu-HU" smtClean="0"/>
-              <a:t>2023.03.01</a:t>
+              <a:t>2023.03.07</a:t>
             </a:fld>
             <a:endParaRPr lang="hu-HU"/>
           </a:p>
@@ -1432,7 +1432,7 @@
           <a:p>
             <a:fld id="{1C51DBE5-290D-4BC6-B08A-3FFC18235947}" type="datetimeFigureOut">
               <a:rPr lang="hu-HU" smtClean="0"/>
-              <a:t>2023.03.01</a:t>
+              <a:t>2023.03.07</a:t>
             </a:fld>
             <a:endParaRPr lang="hu-HU"/>
           </a:p>
@@ -1848,7 +1848,7 @@
           <a:p>
             <a:fld id="{1C51DBE5-290D-4BC6-B08A-3FFC18235947}" type="datetimeFigureOut">
               <a:rPr lang="hu-HU" smtClean="0"/>
-              <a:t>2023.03.01</a:t>
+              <a:t>2023.03.07</a:t>
             </a:fld>
             <a:endParaRPr lang="hu-HU"/>
           </a:p>
@@ -1997,7 +1997,7 @@
           <a:p>
             <a:fld id="{1C51DBE5-290D-4BC6-B08A-3FFC18235947}" type="datetimeFigureOut">
               <a:rPr lang="hu-HU" smtClean="0"/>
-              <a:t>2023.03.01</a:t>
+              <a:t>2023.03.07</a:t>
             </a:fld>
             <a:endParaRPr lang="hu-HU"/>
           </a:p>
@@ -2123,7 +2123,7 @@
           <a:p>
             <a:fld id="{1C51DBE5-290D-4BC6-B08A-3FFC18235947}" type="datetimeFigureOut">
               <a:rPr lang="hu-HU" smtClean="0"/>
-              <a:t>2023.03.01</a:t>
+              <a:t>2023.03.07</a:t>
             </a:fld>
             <a:endParaRPr lang="hu-HU"/>
           </a:p>
@@ -2374,7 +2374,7 @@
           <a:p>
             <a:fld id="{1C51DBE5-290D-4BC6-B08A-3FFC18235947}" type="datetimeFigureOut">
               <a:rPr lang="hu-HU" smtClean="0"/>
-              <a:t>2023.03.01</a:t>
+              <a:t>2023.03.07</a:t>
             </a:fld>
             <a:endParaRPr lang="hu-HU"/>
           </a:p>
@@ -2819,7 +2819,7 @@
           <a:p>
             <a:fld id="{1C51DBE5-290D-4BC6-B08A-3FFC18235947}" type="datetimeFigureOut">
               <a:rPr lang="hu-HU" smtClean="0"/>
-              <a:t>2023.03.01</a:t>
+              <a:t>2023.03.07</a:t>
             </a:fld>
             <a:endParaRPr lang="hu-HU"/>
           </a:p>
@@ -3145,7 +3145,7 @@
           <a:p>
             <a:fld id="{1C51DBE5-290D-4BC6-B08A-3FFC18235947}" type="datetimeFigureOut">
               <a:rPr lang="hu-HU" smtClean="0"/>
-              <a:t>2023.03.01</a:t>
+              <a:t>2023.03.07</a:t>
             </a:fld>
             <a:endParaRPr lang="hu-HU"/>
           </a:p>
@@ -4161,10 +4161,10 @@
       </p:sp>
       <p:pic>
         <p:nvPicPr>
-          <p:cNvPr id="4" name="Kép 3">
+          <p:cNvPr id="5" name="Kép 4">
             <a:extLst>
               <a:ext uri="{FF2B5EF4-FFF2-40B4-BE49-F238E27FC236}">
-                <a16:creationId xmlns:a16="http://schemas.microsoft.com/office/drawing/2014/main" id="{117F66A6-80CF-42BC-B19E-BF5F5DE8AD63}"/>
+                <a16:creationId xmlns:a16="http://schemas.microsoft.com/office/drawing/2014/main" id="{BF3EE1A6-B81B-4E96-B004-632F8DF11D3D}"/>
               </a:ext>
             </a:extLst>
           </p:cNvPr>
@@ -4181,8 +4181,8 @@
         </p:blipFill>
         <p:spPr>
           <a:xfrm>
-            <a:off x="1451579" y="2997053"/>
-            <a:ext cx="6381532" cy="2846490"/>
+            <a:off x="1451579" y="2995511"/>
+            <a:ext cx="6284490" cy="2827321"/>
           </a:xfrm>
           <a:prstGeom prst="rect">
             <a:avLst/>
@@ -4685,14 +4685,21 @@
             <p:ph type="title"/>
           </p:nvPr>
         </p:nvSpPr>
-        <p:spPr/>
-        <p:txBody>
-          <a:bodyPr/>
+        <p:spPr>
+          <a:xfrm>
+            <a:off x="1451579" y="3087149"/>
+            <a:ext cx="9603275" cy="1031845"/>
+          </a:xfrm>
+        </p:spPr>
+        <p:txBody>
+          <a:bodyPr>
+            <a:normAutofit/>
+          </a:bodyPr>
           <a:lstStyle/>
           <a:p>
             <a:pPr algn="ctr"/>
             <a:r>
-              <a:rPr lang="hu-HU" dirty="0"/>
+              <a:rPr lang="hu-HU" sz="6000" dirty="0"/>
               <a:t>Köszönjük a figyelmet</a:t>
             </a:r>
           </a:p>
@@ -4714,12 +4721,17 @@
             <p:ph idx="1"/>
           </p:nvPr>
         </p:nvSpPr>
-        <p:spPr/>
-        <p:txBody>
-          <a:bodyPr/>
-          <a:lstStyle/>
-          <a:p>
-            <a:endParaRPr lang="hu-HU"/>
+        <p:spPr>
+          <a:xfrm flipV="1">
+            <a:off x="1451579" y="5466345"/>
+            <a:ext cx="9603275" cy="1689464"/>
+          </a:xfrm>
+        </p:spPr>
+        <p:txBody>
+          <a:bodyPr/>
+          <a:lstStyle/>
+          <a:p>
+            <a:endParaRPr lang="hu-HU" dirty="0"/>
           </a:p>
         </p:txBody>
       </p:sp>

--- a/Proj1-Furdo-10A_D.pptx
+++ b/Proj1-Furdo-10A_D.pptx
@@ -3763,9 +3763,16 @@
             <p:ph idx="1"/>
           </p:nvPr>
         </p:nvSpPr>
-        <p:spPr/>
-        <p:txBody>
-          <a:bodyPr/>
+        <p:spPr>
+          <a:xfrm>
+            <a:off x="1451580" y="2015732"/>
+            <a:ext cx="3992876" cy="3450613"/>
+          </a:xfrm>
+        </p:spPr>
+        <p:txBody>
+          <a:bodyPr>
+            <a:normAutofit fontScale="85000" lnSpcReduction="10000"/>
+          </a:bodyPr>
           <a:lstStyle/>
           <a:p>
             <a:r>
@@ -3777,6 +3784,12 @@
             <a:r>
               <a:rPr lang="hu-HU" dirty="0"/>
               <a:t>Fürdő</a:t>
+            </a:r>
+          </a:p>
+          <a:p>
+            <a:r>
+              <a:rPr lang="hu-HU" dirty="0"/>
+              <a:t>A fürdőkben egyre gyakoribb a különböző beléptető és fürdőn belüli mozgást rögzítő rendszerek alkalmazása. Egy fürdő a szolgáltatások fejlesztése miatt szeretné a vendégek fürdőzési szokásait felmérni. Ezért egy napi forgalomból véletlenszerűen választották ki a vendégek adatait. </a:t>
             </a:r>
           </a:p>
           <a:p>
@@ -3806,12 +3819,19 @@
         </p:blipFill>
         <p:spPr>
           <a:xfrm>
-            <a:off x="8418322" y="2015732"/>
+            <a:off x="8008969" y="1938601"/>
             <a:ext cx="2636532" cy="3604874"/>
           </a:xfrm>
           <a:prstGeom prst="rect">
             <a:avLst/>
           </a:prstGeom>
+          <a:effectLst>
+            <a:outerShdw blurRad="76200" dir="18900000" sy="23000" kx="-1200000" algn="bl" rotWithShape="0">
+              <a:prstClr val="black">
+                <a:alpha val="20000"/>
+              </a:prstClr>
+            </a:outerShdw>
+          </a:effectLst>
         </p:spPr>
       </p:pic>
       <p:pic>
@@ -3836,7 +3856,7 @@
         </p:blipFill>
         <p:spPr>
           <a:xfrm>
-            <a:off x="5853808" y="2015732"/>
+            <a:off x="5444456" y="1938601"/>
             <a:ext cx="2564513" cy="3604874"/>
           </a:xfrm>
           <a:prstGeom prst="rect">
@@ -4000,6 +4020,13 @@
           <a:prstGeom prst="rect">
             <a:avLst/>
           </a:prstGeom>
+          <a:effectLst>
+            <a:innerShdw blurRad="63500" dist="50800" dir="2700000">
+              <a:prstClr val="black">
+                <a:alpha val="50000"/>
+              </a:prstClr>
+            </a:innerShdw>
+          </a:effectLst>
         </p:spPr>
       </p:pic>
       <p:pic>
@@ -4030,6 +4057,13 @@
           <a:prstGeom prst="rect">
             <a:avLst/>
           </a:prstGeom>
+          <a:effectLst>
+            <a:innerShdw blurRad="63500" dist="50800" dir="2700000">
+              <a:prstClr val="black">
+                <a:alpha val="50000"/>
+              </a:prstClr>
+            </a:innerShdw>
+          </a:effectLst>
         </p:spPr>
       </p:pic>
       <p:pic>
@@ -4060,6 +4094,13 @@
           <a:prstGeom prst="rect">
             <a:avLst/>
           </a:prstGeom>
+          <a:effectLst>
+            <a:outerShdw blurRad="76200" dir="18900000" sy="23000" kx="-1200000" algn="bl" rotWithShape="0">
+              <a:prstClr val="black">
+                <a:alpha val="20000"/>
+              </a:prstClr>
+            </a:outerShdw>
+          </a:effectLst>
         </p:spPr>
       </p:pic>
     </p:spTree>
@@ -4187,6 +4228,13 @@
           <a:prstGeom prst="rect">
             <a:avLst/>
           </a:prstGeom>
+          <a:effectLst>
+            <a:outerShdw blurRad="76200" dir="18900000" sy="23000" kx="-1200000" algn="bl" rotWithShape="0">
+              <a:prstClr val="black">
+                <a:alpha val="20000"/>
+              </a:prstClr>
+            </a:outerShdw>
+          </a:effectLst>
         </p:spPr>
       </p:pic>
     </p:spTree>
@@ -4361,24 +4409,102 @@
             <p:ph idx="1"/>
           </p:nvPr>
         </p:nvSpPr>
-        <p:spPr/>
-        <p:txBody>
-          <a:bodyPr/>
-          <a:lstStyle/>
-          <a:p>
+        <p:spPr>
+          <a:xfrm>
+            <a:off x="582542" y="2015732"/>
+            <a:ext cx="5670674" cy="3450613"/>
+          </a:xfrm>
+        </p:spPr>
+        <p:txBody>
+          <a:bodyPr>
+            <a:normAutofit fontScale="92500" lnSpcReduction="10000"/>
+          </a:bodyPr>
+          <a:lstStyle/>
+          <a:p>
+            <a:pPr marL="0" indent="0">
+              <a:buNone/>
+            </a:pPr>
             <a:r>
               <a:rPr lang="hu-HU" dirty="0"/>
-              <a:t>Legnagyobbrészt Olivér munkája</a:t>
-            </a:r>
+              <a:t>1. feladat: Beolvasás</a:t>
+            </a:r>
+          </a:p>
+          <a:p>
+            <a:pPr marL="0" indent="0">
+              <a:buNone/>
+            </a:pPr>
+            <a:r>
+              <a:rPr lang="hu-HU" dirty="0"/>
+              <a:t>2. feladat: Első és utolsó vendég kilépése</a:t>
+            </a:r>
+          </a:p>
+          <a:p>
+            <a:pPr marL="0" indent="0">
+              <a:buNone/>
+            </a:pPr>
+            <a:r>
+              <a:rPr lang="hu-HU" dirty="0"/>
+              <a:t>3. feladat: Csak egy helységet látogatók számának meghatározása</a:t>
+            </a:r>
+          </a:p>
+          <a:p>
+            <a:pPr marL="0" indent="0">
+              <a:buNone/>
+            </a:pPr>
+            <a:r>
+              <a:rPr lang="hu-HU" dirty="0"/>
+              <a:t>4. feladat: Legtovább fürdőző vendég megkeresése	</a:t>
+            </a:r>
+          </a:p>
+          <a:p>
+            <a:pPr marL="0" indent="0">
+              <a:buNone/>
+            </a:pPr>
+            <a:r>
+              <a:rPr lang="hu-HU" dirty="0"/>
+              <a:t>5. feladat: Időszakok vendégszámai</a:t>
+            </a:r>
+          </a:p>
+          <a:p>
+            <a:pPr marL="0" indent="0">
+              <a:buNone/>
+            </a:pPr>
+            <a:r>
+              <a:rPr lang="hu-HU" dirty="0"/>
+              <a:t>6. feladat: </a:t>
+            </a:r>
+            <a:r>
+              <a:rPr lang="hu-HU" dirty="0" err="1"/>
+              <a:t>Szaunázók</a:t>
+            </a:r>
+            <a:r>
+              <a:rPr lang="hu-HU" dirty="0"/>
+              <a:t> listájának elkészítése, fájlba írása</a:t>
+            </a:r>
+          </a:p>
+          <a:p>
+            <a:pPr marL="0" indent="0">
+              <a:buNone/>
+            </a:pPr>
+            <a:r>
+              <a:rPr lang="hu-HU" dirty="0"/>
+              <a:t>7. feladat: Részlegek látogatószámának meghatározása</a:t>
+            </a:r>
+          </a:p>
+          <a:p>
+            <a:pPr marL="457200" indent="-457200">
+              <a:buAutoNum type="arabicPeriod"/>
+            </a:pPr>
+            <a:endParaRPr lang="hu-HU" dirty="0"/>
           </a:p>
         </p:txBody>
       </p:sp>
       <p:pic>
         <p:nvPicPr>
-          <p:cNvPr id="5" name="Kép 4">
+          <p:cNvPr id="4" name="Kép 3">
             <a:extLst>
               <a:ext uri="{FF2B5EF4-FFF2-40B4-BE49-F238E27FC236}">
-                <a16:creationId xmlns:a16="http://schemas.microsoft.com/office/drawing/2014/main" id="{EC825A3A-AAB0-447D-B05D-354585A5A57B}"/>
+                <a16:creationId xmlns:a16="http://schemas.microsoft.com/office/drawing/2014/main" id="{0DC55FAA-2F83-4BDA-956F-DB7416C63595}"/>
               </a:ext>
             </a:extLst>
           </p:cNvPr>
@@ -4395,20 +4521,69 @@
         </p:blipFill>
         <p:spPr>
           <a:xfrm>
-            <a:off x="8936180" y="1853754"/>
-            <a:ext cx="3045912" cy="4287934"/>
+            <a:off x="5305906" y="642541"/>
+            <a:ext cx="4064598" cy="1164544"/>
           </a:xfrm>
           <a:prstGeom prst="rect">
             <a:avLst/>
           </a:prstGeom>
+          <a:effectLst>
+            <a:outerShdw blurRad="76200" dir="18900000" sy="23000" kx="-1200000" algn="bl" rotWithShape="0">
+              <a:prstClr val="black">
+                <a:alpha val="20000"/>
+              </a:prstClr>
+            </a:outerShdw>
+          </a:effectLst>
         </p:spPr>
       </p:pic>
+      <p:cxnSp>
+        <p:nvCxnSpPr>
+          <p:cNvPr id="14" name="Egyenes összekötő nyíllal 13">
+            <a:extLst>
+              <a:ext uri="{FF2B5EF4-FFF2-40B4-BE49-F238E27FC236}">
+                <a16:creationId xmlns:a16="http://schemas.microsoft.com/office/drawing/2014/main" id="{9C79B931-AECA-4D17-A3C0-9F4CA857638C}"/>
+              </a:ext>
+            </a:extLst>
+          </p:cNvPr>
+          <p:cNvCxnSpPr/>
+          <p:nvPr/>
+        </p:nvCxnSpPr>
+        <p:spPr>
+          <a:xfrm flipV="1">
+            <a:off x="4647501" y="1844209"/>
+            <a:ext cx="746620" cy="797167"/>
+          </a:xfrm>
+          <a:prstGeom prst="straightConnector1">
+            <a:avLst/>
+          </a:prstGeom>
+          <a:ln w="76200">
+            <a:solidFill>
+              <a:schemeClr val="tx1"/>
+            </a:solidFill>
+            <a:tailEnd type="triangle"/>
+          </a:ln>
+        </p:spPr>
+        <p:style>
+          <a:lnRef idx="1">
+            <a:schemeClr val="accent1"/>
+          </a:lnRef>
+          <a:fillRef idx="0">
+            <a:schemeClr val="accent1"/>
+          </a:fillRef>
+          <a:effectRef idx="0">
+            <a:schemeClr val="accent1"/>
+          </a:effectRef>
+          <a:fontRef idx="minor">
+            <a:schemeClr val="tx1"/>
+          </a:fontRef>
+        </p:style>
+      </p:cxnSp>
       <p:pic>
         <p:nvPicPr>
-          <p:cNvPr id="6" name="Kép 5">
+          <p:cNvPr id="16" name="Kép 15">
             <a:extLst>
               <a:ext uri="{FF2B5EF4-FFF2-40B4-BE49-F238E27FC236}">
-                <a16:creationId xmlns:a16="http://schemas.microsoft.com/office/drawing/2014/main" id="{B4813D1D-7A16-494D-BA9C-FEDB965ACCBA}"/>
+                <a16:creationId xmlns:a16="http://schemas.microsoft.com/office/drawing/2014/main" id="{2F98B11C-8EBF-4D51-B37B-20197FDF6ABA}"/>
               </a:ext>
             </a:extLst>
           </p:cNvPr>
@@ -4425,20 +4600,71 @@
         </p:blipFill>
         <p:spPr>
           <a:xfrm>
-            <a:off x="6368763" y="1853450"/>
-            <a:ext cx="2565833" cy="2698197"/>
+            <a:off x="6253216" y="1853754"/>
+            <a:ext cx="4291745" cy="2460204"/>
           </a:xfrm>
           <a:prstGeom prst="rect">
             <a:avLst/>
           </a:prstGeom>
+          <a:effectLst>
+            <a:outerShdw blurRad="76200" dir="18900000" sy="23000" kx="-1200000" algn="bl" rotWithShape="0">
+              <a:prstClr val="black">
+                <a:alpha val="20000"/>
+              </a:prstClr>
+            </a:outerShdw>
+          </a:effectLst>
         </p:spPr>
       </p:pic>
+      <p:cxnSp>
+        <p:nvCxnSpPr>
+          <p:cNvPr id="18" name="Egyenes összekötő nyíllal 17">
+            <a:extLst>
+              <a:ext uri="{FF2B5EF4-FFF2-40B4-BE49-F238E27FC236}">
+                <a16:creationId xmlns:a16="http://schemas.microsoft.com/office/drawing/2014/main" id="{F7EF8CDE-06DA-4943-96F9-B6D00431D196}"/>
+              </a:ext>
+            </a:extLst>
+          </p:cNvPr>
+          <p:cNvCxnSpPr>
+            <a:cxnSpLocks/>
+          </p:cNvCxnSpPr>
+          <p:nvPr/>
+        </p:nvCxnSpPr>
+        <p:spPr>
+          <a:xfrm flipV="1">
+            <a:off x="5559780" y="3429000"/>
+            <a:ext cx="693436" cy="496596"/>
+          </a:xfrm>
+          <a:prstGeom prst="straightConnector1">
+            <a:avLst/>
+          </a:prstGeom>
+          <a:ln w="76200">
+            <a:solidFill>
+              <a:schemeClr val="tx1"/>
+            </a:solidFill>
+            <a:tailEnd type="triangle"/>
+          </a:ln>
+        </p:spPr>
+        <p:style>
+          <a:lnRef idx="1">
+            <a:schemeClr val="accent1"/>
+          </a:lnRef>
+          <a:fillRef idx="0">
+            <a:schemeClr val="accent1"/>
+          </a:fillRef>
+          <a:effectRef idx="0">
+            <a:schemeClr val="accent1"/>
+          </a:effectRef>
+          <a:fontRef idx="minor">
+            <a:schemeClr val="tx1"/>
+          </a:fontRef>
+        </p:style>
+      </p:cxnSp>
       <p:pic>
         <p:nvPicPr>
-          <p:cNvPr id="7" name="Kép 6">
+          <p:cNvPr id="20" name="Kép 19">
             <a:extLst>
               <a:ext uri="{FF2B5EF4-FFF2-40B4-BE49-F238E27FC236}">
-                <a16:creationId xmlns:a16="http://schemas.microsoft.com/office/drawing/2014/main" id="{9C25C5A5-B136-48C5-A1A5-5F1F493EC48B}"/>
+                <a16:creationId xmlns:a16="http://schemas.microsoft.com/office/drawing/2014/main" id="{6B7196D2-257A-4A50-AF73-A35F662A2475}"/>
               </a:ext>
             </a:extLst>
           </p:cNvPr>
@@ -4455,44 +4681,63 @@
         </p:blipFill>
         <p:spPr>
           <a:xfrm>
-            <a:off x="3167562" y="2395940"/>
-            <a:ext cx="2843300" cy="3232383"/>
+            <a:off x="6332815" y="4381625"/>
+            <a:ext cx="2727296" cy="2169440"/>
           </a:xfrm>
           <a:prstGeom prst="rect">
             <a:avLst/>
           </a:prstGeom>
+          <a:effectLst>
+            <a:outerShdw blurRad="76200" dir="18900000" sy="23000" kx="-1200000" algn="bl" rotWithShape="0">
+              <a:prstClr val="black">
+                <a:alpha val="20000"/>
+              </a:prstClr>
+            </a:outerShdw>
+          </a:effectLst>
         </p:spPr>
       </p:pic>
-      <p:pic>
-        <p:nvPicPr>
-          <p:cNvPr id="8" name="Kép 7">
+      <p:cxnSp>
+        <p:nvCxnSpPr>
+          <p:cNvPr id="22" name="Egyenes összekötő nyíllal 21">
             <a:extLst>
               <a:ext uri="{FF2B5EF4-FFF2-40B4-BE49-F238E27FC236}">
-                <a16:creationId xmlns:a16="http://schemas.microsoft.com/office/drawing/2014/main" id="{F69A6905-E6B8-4F7D-A6F9-D9EB1FD57BB8}"/>
+                <a16:creationId xmlns:a16="http://schemas.microsoft.com/office/drawing/2014/main" id="{86BA25E2-2FC7-482B-B863-3AE21C21ADEE}"/>
               </a:ext>
             </a:extLst>
           </p:cNvPr>
-          <p:cNvPicPr>
-            <a:picLocks noChangeAspect="1"/>
-          </p:cNvPicPr>
+          <p:cNvCxnSpPr/>
           <p:nvPr/>
-        </p:nvPicPr>
-        <p:blipFill>
-          <a:blip r:embed="rId5"/>
-          <a:stretch>
-            <a:fillRect/>
-          </a:stretch>
-        </p:blipFill>
-        <p:spPr>
-          <a:xfrm>
-            <a:off x="6181139" y="4551647"/>
-            <a:ext cx="2751873" cy="1590041"/>
-          </a:xfrm>
-          <a:prstGeom prst="rect">
+        </p:nvCxnSpPr>
+        <p:spPr>
+          <a:xfrm>
+            <a:off x="5906498" y="5251508"/>
+            <a:ext cx="346718" cy="0"/>
+          </a:xfrm>
+          <a:prstGeom prst="straightConnector1">
             <a:avLst/>
           </a:prstGeom>
-        </p:spPr>
-      </p:pic>
+          <a:ln w="76200">
+            <a:solidFill>
+              <a:schemeClr val="tx1"/>
+            </a:solidFill>
+            <a:tailEnd type="triangle"/>
+          </a:ln>
+        </p:spPr>
+        <p:style>
+          <a:lnRef idx="1">
+            <a:schemeClr val="accent1"/>
+          </a:lnRef>
+          <a:fillRef idx="0">
+            <a:schemeClr val="accent1"/>
+          </a:fillRef>
+          <a:effectRef idx="0">
+            <a:schemeClr val="accent1"/>
+          </a:effectRef>
+          <a:fontRef idx="minor">
+            <a:schemeClr val="tx1"/>
+          </a:fontRef>
+        </p:style>
+      </p:cxnSp>
     </p:spTree>
     <p:extLst>
       <p:ext uri="{BB962C8B-B14F-4D97-AF65-F5344CB8AC3E}">
@@ -4601,12 +4846,22 @@
         </p:blipFill>
         <p:spPr>
           <a:xfrm>
-            <a:off x="4282849" y="2015733"/>
+            <a:off x="3645286" y="1912741"/>
             <a:ext cx="2017284" cy="4140740"/>
           </a:xfrm>
           <a:prstGeom prst="rect">
             <a:avLst/>
           </a:prstGeom>
+          <a:ln>
+            <a:noFill/>
+          </a:ln>
+          <a:effectLst>
+            <a:outerShdw blurRad="76200" dir="18900000" sy="23000" kx="-1200000" algn="bl" rotWithShape="0">
+              <a:prstClr val="black">
+                <a:alpha val="20000"/>
+              </a:prstClr>
+            </a:outerShdw>
+          </a:effectLst>
         </p:spPr>
       </p:pic>
       <p:pic>
@@ -4631,12 +4886,22 @@
         </p:blipFill>
         <p:spPr>
           <a:xfrm>
-            <a:off x="6300133" y="2015731"/>
+            <a:off x="5995332" y="1912741"/>
             <a:ext cx="5265752" cy="4037750"/>
           </a:xfrm>
           <a:prstGeom prst="rect">
             <a:avLst/>
           </a:prstGeom>
+          <a:ln>
+            <a:noFill/>
+          </a:ln>
+          <a:effectLst>
+            <a:outerShdw blurRad="76200" dir="18900000" sy="23000" kx="-1200000" algn="bl" rotWithShape="0">
+              <a:prstClr val="black">
+                <a:alpha val="20000"/>
+              </a:prstClr>
+            </a:outerShdw>
+          </a:effectLst>
         </p:spPr>
       </p:pic>
     </p:spTree>
